--- a/doc/initial_image.pptx
+++ b/doc/initial_image.pptx
@@ -6,6 +6,7 @@
   </p:sldMasterIdLst>
   <p:sldIdLst>
     <p:sldId id="256" r:id="rId2"/>
+    <p:sldId id="257" r:id="rId3"/>
   </p:sldIdLst>
   <p:sldSz cx="12192000" cy="6858000"/>
   <p:notesSz cx="6858000" cy="9144000"/>
@@ -104,6 +105,11 @@
       </a:defRPr>
     </a:lvl9pPr>
   </p:defaultTextStyle>
+  <p:extLst>
+    <p:ext uri="{EFAFB233-063F-42B5-8137-9DF3F51BA10A}">
+      <p15:sldGuideLst xmlns:p15="http://schemas.microsoft.com/office/powerpoint/2012/main"/>
+    </p:ext>
+  </p:extLst>
 </p:presentation>
 </file>
 
@@ -3396,8 +3402,11 @@
             <a:pPr algn="ctr"/>
             <a:r>
               <a:rPr lang="en-GB" sz="2800" dirty="0">
-                <a:latin typeface="Century Gothic" panose="020B0502020202020204" pitchFamily="34" charset="0"/>
-                <a:cs typeface="Modern Love Grunge" panose="020F0502020204030204" pitchFamily="34" charset="0"/>
+                <a:solidFill>
+                  <a:schemeClr val="bg1"/>
+                </a:solidFill>
+                <a:latin typeface="Aharoni" panose="02010803020104030203" pitchFamily="2" charset="-79"/>
+                <a:cs typeface="Aharoni" panose="02010803020104030203" pitchFamily="2" charset="-79"/>
               </a:rPr>
               <a:t>Please maintain a good posture while we gather some information about your current seating position. </a:t>
             </a:r>
@@ -3405,30 +3414,25 @@
           <a:p>
             <a:pPr algn="ctr"/>
             <a:endParaRPr lang="en-GB" sz="2800" dirty="0">
-              <a:latin typeface="Century Gothic" panose="020B0502020202020204" pitchFamily="34" charset="0"/>
-              <a:cs typeface="Modern Love Grunge" panose="020F0502020204030204" pitchFamily="34" charset="0"/>
+              <a:solidFill>
+                <a:schemeClr val="bg1"/>
+              </a:solidFill>
+              <a:latin typeface="Aharoni" panose="02010803020104030203" pitchFamily="2" charset="-79"/>
+              <a:cs typeface="Aharoni" panose="02010803020104030203" pitchFamily="2" charset="-79"/>
             </a:endParaRPr>
           </a:p>
           <a:p>
             <a:pPr algn="ctr"/>
             <a:r>
               <a:rPr lang="en-GB" sz="2800" dirty="0">
-                <a:latin typeface="Century Gothic" panose="020B0502020202020204" pitchFamily="34" charset="0"/>
-                <a:cs typeface="Modern Love Grunge" panose="020F0502020204030204" pitchFamily="34" charset="0"/>
+                <a:solidFill>
+                  <a:schemeClr val="bg1"/>
+                </a:solidFill>
+                <a:latin typeface="Aharoni" panose="02010803020104030203" pitchFamily="2" charset="-79"/>
+                <a:cs typeface="Aharoni" panose="02010803020104030203" pitchFamily="2" charset="-79"/>
               </a:rPr>
-              <a:t>Don’t worry, this will only take a </a:t>
-            </a:r>
-            <a:r>
-              <a:rPr lang="en-GB" sz="2800">
-                <a:latin typeface="Century Gothic" panose="020B0502020202020204" pitchFamily="34" charset="0"/>
-                <a:cs typeface="Modern Love Grunge" panose="020F0502020204030204" pitchFamily="34" charset="0"/>
-              </a:rPr>
-              <a:t>few moments.</a:t>
-            </a:r>
-            <a:endParaRPr lang="en-GB" sz="2800" dirty="0">
-              <a:latin typeface="Century Gothic" panose="020B0502020202020204" pitchFamily="34" charset="0"/>
-              <a:cs typeface="Modern Love Grunge" panose="020F0502020204030204" pitchFamily="34" charset="0"/>
-            </a:endParaRPr>
+              <a:t>Don’t worry, this will only take a few moments.</a:t>
+            </a:r>
           </a:p>
         </p:txBody>
       </p:sp>
@@ -3436,6 +3440,166 @@
     <p:extLst>
       <p:ext uri="{BB962C8B-B14F-4D97-AF65-F5344CB8AC3E}">
         <p14:creationId xmlns:p14="http://schemas.microsoft.com/office/powerpoint/2010/main" val="286174902"/>
+      </p:ext>
+    </p:extLst>
+  </p:cSld>
+  <p:clrMapOvr>
+    <a:masterClrMapping/>
+  </p:clrMapOvr>
+</p:sld>
+</file>
+
+<file path=ppt/slides/slide2.xml><?xml version="1.0" encoding="utf-8"?>
+<p:sld xmlns:a="http://schemas.openxmlformats.org/drawingml/2006/main" xmlns:r="http://schemas.openxmlformats.org/officeDocument/2006/relationships" xmlns:p="http://schemas.openxmlformats.org/presentationml/2006/main">
+  <p:cSld>
+    <p:bg>
+      <p:bgPr>
+        <a:solidFill>
+          <a:srgbClr val="00A779"/>
+        </a:solidFill>
+        <a:effectLst/>
+      </p:bgPr>
+    </p:bg>
+    <p:spTree>
+      <p:nvGrpSpPr>
+        <p:cNvPr id="1" name=""/>
+        <p:cNvGrpSpPr/>
+        <p:nvPr/>
+      </p:nvGrpSpPr>
+      <p:grpSpPr>
+        <a:xfrm>
+          <a:off x="0" y="0"/>
+          <a:ext cx="0" cy="0"/>
+          <a:chOff x="0" y="0"/>
+          <a:chExt cx="0" cy="0"/>
+        </a:xfrm>
+      </p:grpSpPr>
+      <p:sp>
+        <p:nvSpPr>
+          <p:cNvPr id="2" name="textruta 1">
+            <a:extLst>
+              <a:ext uri="{FF2B5EF4-FFF2-40B4-BE49-F238E27FC236}">
+                <a16:creationId xmlns:a16="http://schemas.microsoft.com/office/drawing/2014/main" id="{1507364E-246D-1448-9B79-10E31F56516F}"/>
+              </a:ext>
+            </a:extLst>
+          </p:cNvPr>
+          <p:cNvSpPr txBox="1"/>
+          <p:nvPr/>
+        </p:nvSpPr>
+        <p:spPr>
+          <a:xfrm>
+            <a:off x="1214535" y="834425"/>
+            <a:ext cx="4881465" cy="1323439"/>
+          </a:xfrm>
+          <a:prstGeom prst="rect">
+            <a:avLst/>
+          </a:prstGeom>
+          <a:noFill/>
+        </p:spPr>
+        <p:txBody>
+          <a:bodyPr wrap="none" rtlCol="0">
+            <a:spAutoFit/>
+          </a:bodyPr>
+          <a:lstStyle/>
+          <a:p>
+            <a:r>
+              <a:rPr lang="en-AU" sz="8000" dirty="0">
+                <a:solidFill>
+                  <a:schemeClr val="bg1"/>
+                </a:solidFill>
+                <a:latin typeface="Aharoni" panose="020F0502020204030204" pitchFamily="34" charset="0"/>
+                <a:cs typeface="Aharoni" panose="020F0502020204030204" pitchFamily="34" charset="0"/>
+              </a:rPr>
+              <a:t>Welcome.</a:t>
+            </a:r>
+          </a:p>
+        </p:txBody>
+      </p:sp>
+      <p:sp>
+        <p:nvSpPr>
+          <p:cNvPr id="5" name="textruta 4">
+            <a:extLst>
+              <a:ext uri="{FF2B5EF4-FFF2-40B4-BE49-F238E27FC236}">
+                <a16:creationId xmlns:a16="http://schemas.microsoft.com/office/drawing/2014/main" id="{FDB8209C-B5E5-D04D-BBE4-1D1750D07351}"/>
+              </a:ext>
+            </a:extLst>
+          </p:cNvPr>
+          <p:cNvSpPr txBox="1"/>
+          <p:nvPr/>
+        </p:nvSpPr>
+        <p:spPr>
+          <a:xfrm>
+            <a:off x="1214535" y="2157864"/>
+            <a:ext cx="4293162" cy="3416320"/>
+          </a:xfrm>
+          <a:prstGeom prst="rect">
+            <a:avLst/>
+          </a:prstGeom>
+          <a:noFill/>
+        </p:spPr>
+        <p:txBody>
+          <a:bodyPr wrap="square" rtlCol="0">
+            <a:spAutoFit/>
+          </a:bodyPr>
+          <a:lstStyle/>
+          <a:p>
+            <a:r>
+              <a:rPr lang="en-AU" sz="2400" b="1" dirty="0">
+                <a:solidFill>
+                  <a:schemeClr val="bg1"/>
+                </a:solidFill>
+                <a:latin typeface="Aharoni" panose="020F0502020204030204" pitchFamily="34" charset="0"/>
+                <a:cs typeface="Aharoni" panose="020F0502020204030204" pitchFamily="34" charset="0"/>
+              </a:rPr>
+              <a:t>Pose Malone is here to help you maintain a good working posture in your temporary workspace. We’re using AI to keep track of your current working position and we will notify you if you start slacking off. </a:t>
+            </a:r>
+          </a:p>
+        </p:txBody>
+      </p:sp>
+      <p:sp>
+        <p:nvSpPr>
+          <p:cNvPr id="4" name="textruta 3">
+            <a:extLst>
+              <a:ext uri="{FF2B5EF4-FFF2-40B4-BE49-F238E27FC236}">
+                <a16:creationId xmlns:a16="http://schemas.microsoft.com/office/drawing/2014/main" id="{A6370016-F9FB-3843-9288-8A281778DB23}"/>
+              </a:ext>
+            </a:extLst>
+          </p:cNvPr>
+          <p:cNvSpPr txBox="1"/>
+          <p:nvPr/>
+        </p:nvSpPr>
+        <p:spPr>
+          <a:xfrm>
+            <a:off x="7382933" y="3496692"/>
+            <a:ext cx="3034805" cy="369332"/>
+          </a:xfrm>
+          <a:prstGeom prst="rect">
+            <a:avLst/>
+          </a:prstGeom>
+          <a:noFill/>
+        </p:spPr>
+        <p:txBody>
+          <a:bodyPr wrap="none" rtlCol="0">
+            <a:spAutoFit/>
+          </a:bodyPr>
+          <a:lstStyle/>
+          <a:p>
+            <a:r>
+              <a:rPr lang="en-AU" dirty="0">
+                <a:solidFill>
+                  <a:schemeClr val="bg1"/>
+                </a:solidFill>
+                <a:latin typeface="Century Gothic" panose="020B0502020202020204" pitchFamily="34" charset="0"/>
+              </a:rPr>
+              <a:t>Start our application here</a:t>
+            </a:r>
+          </a:p>
+        </p:txBody>
+      </p:sp>
+    </p:spTree>
+    <p:extLst>
+      <p:ext uri="{BB962C8B-B14F-4D97-AF65-F5344CB8AC3E}">
+        <p14:creationId xmlns:p14="http://schemas.microsoft.com/office/powerpoint/2010/main" val="3552050279"/>
       </p:ext>
     </p:extLst>
   </p:cSld>
